--- a/Content/Lectures/General/presentation.pptx
+++ b/Content/Lectures/General/presentation.pptx
@@ -5,7 +5,7 @@
     <p:sldMasterId id="2147483733" r:id="rId1"/>
   </p:sldMasterIdLst>
   <p:handoutMasterIdLst>
-    <p:handoutMasterId r:id="rId7"/>
+    <p:handoutMasterId r:id="rId8"/>
   </p:handoutMasterIdLst>
   <p:sldIdLst>
     <p:sldId id="256" r:id="rId2"/>
@@ -13,6 +13,7 @@
     <p:sldId id="272" r:id="rId4"/>
     <p:sldId id="303" r:id="rId5"/>
     <p:sldId id="327" r:id="rId6"/>
+    <p:sldId id="328" r:id="rId7"/>
   </p:sldIdLst>
   <p:sldSz cx="12192000" cy="6858000"/>
   <p:notesSz cx="9874250" cy="6797675"/>
@@ -121,6 +122,7 @@
             <p14:sldId id="272"/>
             <p14:sldId id="303"/>
             <p14:sldId id="327"/>
+            <p14:sldId id="328"/>
           </p14:sldIdLst>
         </p14:section>
         <p14:section name="Раздел без заголовка" id="{5B62AEE6-3FC9-4753-9D7C-DE52A18267CA}">
@@ -5349,6 +5351,168 @@
     <p:extLst>
       <p:ext uri="{BB962C8B-B14F-4D97-AF65-F5344CB8AC3E}">
         <p14:creationId xmlns:p14="http://schemas.microsoft.com/office/powerpoint/2010/main" val="1512111023"/>
+      </p:ext>
+    </p:extLst>
+  </p:cSld>
+  <p:clrMapOvr>
+    <a:masterClrMapping/>
+  </p:clrMapOvr>
+</p:sld>
+</file>
+
+<file path=ppt/slides/slide6.xml><?xml version="1.0" encoding="utf-8"?>
+<p:sld xmlns:a="http://schemas.openxmlformats.org/drawingml/2006/main" xmlns:r="http://schemas.openxmlformats.org/officeDocument/2006/relationships" xmlns:p="http://schemas.openxmlformats.org/presentationml/2006/main">
+  <p:cSld>
+    <p:spTree>
+      <p:nvGrpSpPr>
+        <p:cNvPr id="1" name=""/>
+        <p:cNvGrpSpPr/>
+        <p:nvPr/>
+      </p:nvGrpSpPr>
+      <p:grpSpPr>
+        <a:xfrm>
+          <a:off x="0" y="0"/>
+          <a:ext cx="0" cy="0"/>
+          <a:chOff x="0" y="0"/>
+          <a:chExt cx="0" cy="0"/>
+        </a:xfrm>
+      </p:grpSpPr>
+      <p:sp>
+        <p:nvSpPr>
+          <p:cNvPr id="4" name="Заголовок 1"/>
+          <p:cNvSpPr txBox="1">
+            <a:spLocks/>
+          </p:cNvSpPr>
+          <p:nvPr/>
+        </p:nvSpPr>
+        <p:spPr>
+          <a:xfrm>
+            <a:off x="1112107" y="1037967"/>
+            <a:ext cx="9519121" cy="567804"/>
+          </a:xfrm>
+          <a:prstGeom prst="rect">
+            <a:avLst/>
+          </a:prstGeom>
+        </p:spPr>
+        <p:txBody>
+          <a:bodyPr vert="horz" lIns="91440" tIns="45720" rIns="91440" bIns="45720" rtlCol="0" anchor="b">
+            <a:normAutofit/>
+          </a:bodyPr>
+          <a:lstStyle>
+            <a:lvl1pPr marL="0" algn="l" defTabSz="914400" rtl="0" eaLnBrk="1" latinLnBrk="0" hangingPunct="1">
+              <a:lnSpc>
+                <a:spcPct val="85000"/>
+              </a:lnSpc>
+              <a:spcBef>
+                <a:spcPct val="0"/>
+              </a:spcBef>
+              <a:buNone/>
+              <a:defRPr sz="4800" kern="1200" spc="-50" baseline="0">
+                <a:solidFill>
+                  <a:schemeClr val="tx1">
+                    <a:lumMod val="75000"/>
+                    <a:lumOff val="25000"/>
+                  </a:schemeClr>
+                </a:solidFill>
+                <a:latin typeface="+mj-lt"/>
+                <a:ea typeface="+mj-ea"/>
+                <a:cs typeface="+mj-cs"/>
+              </a:defRPr>
+            </a:lvl1pPr>
+          </a:lstStyle>
+          <a:p>
+            <a:r>
+              <a:rPr lang="ru-RU" sz="3600" b="1" spc="0" dirty="0">
+                <a:ln/>
+                <a:solidFill>
+                  <a:schemeClr val="tx1"/>
+                </a:solidFill>
+                <a:latin typeface="Times New Roman" panose="02020603050405020304" pitchFamily="18" charset="0"/>
+                <a:cs typeface="Times New Roman" panose="02020603050405020304" pitchFamily="18" charset="0"/>
+              </a:rPr>
+              <a:t>Ссылки</a:t>
+            </a:r>
+          </a:p>
+        </p:txBody>
+      </p:sp>
+      <p:sp>
+        <p:nvSpPr>
+          <p:cNvPr id="5" name="TextBox 4"/>
+          <p:cNvSpPr txBox="1"/>
+          <p:nvPr/>
+        </p:nvSpPr>
+        <p:spPr>
+          <a:xfrm>
+            <a:off x="1112107" y="2178398"/>
+            <a:ext cx="10287858" cy="498663"/>
+          </a:xfrm>
+          <a:prstGeom prst="rect">
+            <a:avLst/>
+          </a:prstGeom>
+          <a:noFill/>
+        </p:spPr>
+        <p:txBody>
+          <a:bodyPr wrap="square" rtlCol="0">
+            <a:spAutoFit/>
+          </a:bodyPr>
+          <a:lstStyle/>
+          <a:p>
+            <a:pPr algn="just">
+              <a:lnSpc>
+                <a:spcPct val="150000"/>
+              </a:lnSpc>
+            </a:pPr>
+            <a:r>
+              <a:rPr lang="en-US" sz="2000" b="1" dirty="0">
+                <a:latin typeface="Times New Roman" panose="02020603050405020304" pitchFamily="18" charset="0"/>
+                <a:cs typeface="Times New Roman" panose="02020603050405020304" pitchFamily="18" charset="0"/>
+              </a:rPr>
+              <a:t>https://github.com/AkaArtAnder/IT.git</a:t>
+            </a:r>
+            <a:endParaRPr lang="en-US" dirty="0">
+              <a:latin typeface="Times New Roman" panose="02020603050405020304" pitchFamily="18" charset="0"/>
+              <a:cs typeface="Times New Roman" panose="02020603050405020304" pitchFamily="18" charset="0"/>
+            </a:endParaRPr>
+          </a:p>
+        </p:txBody>
+      </p:sp>
+      <p:sp>
+        <p:nvSpPr>
+          <p:cNvPr id="6" name="TextBox 5"/>
+          <p:cNvSpPr txBox="1"/>
+          <p:nvPr/>
+        </p:nvSpPr>
+        <p:spPr>
+          <a:xfrm>
+            <a:off x="5180660" y="272612"/>
+            <a:ext cx="1382013" cy="461665"/>
+          </a:xfrm>
+          <a:prstGeom prst="rect">
+            <a:avLst/>
+          </a:prstGeom>
+          <a:noFill/>
+        </p:spPr>
+        <p:txBody>
+          <a:bodyPr wrap="square" rtlCol="0">
+            <a:spAutoFit/>
+          </a:bodyPr>
+          <a:lstStyle/>
+          <a:p>
+            <a:pPr algn="ctr"/>
+            <a:r>
+              <a:rPr lang="ru-RU" sz="2400" dirty="0">
+                <a:latin typeface="Times New Roman" panose="02020603050405020304" pitchFamily="18" charset="0"/>
+                <a:cs typeface="Times New Roman" panose="02020603050405020304" pitchFamily="18" charset="0"/>
+              </a:rPr>
+              <a:t>Слайд 5</a:t>
+            </a:r>
+          </a:p>
+        </p:txBody>
+      </p:sp>
+    </p:spTree>
+    <p:extLst>
+      <p:ext uri="{BB962C8B-B14F-4D97-AF65-F5344CB8AC3E}">
+        <p14:creationId xmlns:p14="http://schemas.microsoft.com/office/powerpoint/2010/main" val="4153571847"/>
       </p:ext>
     </p:extLst>
   </p:cSld>
